--- a/20125757_SWP_Presentation_1.pptx
+++ b/20125757_SWP_Presentation_1.pptx
@@ -422,7 +422,7 @@
           <a:p>
             <a:fld id="{443CFB68-5C48-44E1-929E-D1027BEC5426}" type="datetimeFigureOut">
               <a:rPr lang="ko-KR" altLang="en-US" smtClean="0"/>
-              <a:t>2017-11-02</a:t>
+              <a:t>2017-11-03</a:t>
             </a:fld>
             <a:endParaRPr lang="ko-KR" altLang="en-US"/>
           </a:p>
@@ -832,7 +832,7 @@
           <a:p>
             <a:fld id="{C9856C8D-22D4-43D2-9187-A2E666FFE136}" type="datetimeFigureOut">
               <a:rPr lang="ko-KR" altLang="en-US" smtClean="0"/>
-              <a:t>2017-11-02</a:t>
+              <a:t>2017-11-03</a:t>
             </a:fld>
             <a:endParaRPr lang="ko-KR" altLang="en-US"/>
           </a:p>
@@ -967,7 +967,7 @@
           </a:ln>
           <a:extLst>
             <a:ext uri="{C572A759-6A51-4108-AA02-DFA0A04FC94B}">
-              <ma14:wrappingTextBoxFlag xmlns:ma14="http://schemas.microsoft.com/office/mac/drawingml/2011/main" xmlns="" val="1"/>
+              <ma14:wrappingTextBoxFlag xmlns="" xmlns:ma14="http://schemas.microsoft.com/office/mac/drawingml/2011/main" val="1"/>
             </a:ext>
           </a:extLst>
         </p:spPr>
@@ -1312,7 +1312,7 @@
           <a:p>
             <a:fld id="{C9856C8D-22D4-43D2-9187-A2E666FFE136}" type="datetimeFigureOut">
               <a:rPr lang="ko-KR" altLang="en-US" smtClean="0"/>
-              <a:t>2017-11-02</a:t>
+              <a:t>2017-11-03</a:t>
             </a:fld>
             <a:endParaRPr lang="ko-KR" altLang="en-US"/>
           </a:p>
@@ -1564,7 +1564,7 @@
           <a:p>
             <a:fld id="{C9856C8D-22D4-43D2-9187-A2E666FFE136}" type="datetimeFigureOut">
               <a:rPr lang="ko-KR" altLang="en-US" smtClean="0"/>
-              <a:t>2017-11-02</a:t>
+              <a:t>2017-11-03</a:t>
             </a:fld>
             <a:endParaRPr lang="ko-KR" altLang="en-US"/>
           </a:p>
@@ -1732,7 +1732,7 @@
           <a:p>
             <a:fld id="{C9856C8D-22D4-43D2-9187-A2E666FFE136}" type="datetimeFigureOut">
               <a:rPr lang="ko-KR" altLang="en-US" smtClean="0"/>
-              <a:t>2017-11-02</a:t>
+              <a:t>2017-11-03</a:t>
             </a:fld>
             <a:endParaRPr lang="ko-KR" altLang="en-US"/>
           </a:p>
@@ -1910,7 +1910,7 @@
           <a:p>
             <a:fld id="{C9856C8D-22D4-43D2-9187-A2E666FFE136}" type="datetimeFigureOut">
               <a:rPr lang="ko-KR" altLang="en-US" smtClean="0"/>
-              <a:t>2017-11-02</a:t>
+              <a:t>2017-11-03</a:t>
             </a:fld>
             <a:endParaRPr lang="ko-KR" altLang="en-US"/>
           </a:p>
@@ -2098,7 +2098,7 @@
           <a:p>
             <a:fld id="{C9856C8D-22D4-43D2-9187-A2E666FFE136}" type="datetimeFigureOut">
               <a:rPr lang="ko-KR" altLang="en-US" smtClean="0"/>
-              <a:t>2017-11-02</a:t>
+              <a:t>2017-11-03</a:t>
             </a:fld>
             <a:endParaRPr lang="ko-KR" altLang="en-US"/>
           </a:p>
@@ -2539,7 +2539,7 @@
           <a:p>
             <a:fld id="{C9856C8D-22D4-43D2-9187-A2E666FFE136}" type="datetimeFigureOut">
               <a:rPr lang="ko-KR" altLang="en-US" smtClean="0"/>
-              <a:t>2017-11-02</a:t>
+              <a:t>2017-11-03</a:t>
             </a:fld>
             <a:endParaRPr lang="ko-KR" altLang="en-US"/>
           </a:p>
@@ -2606,7 +2606,7 @@
           </a:ln>
           <a:extLst>
             <a:ext uri="{C572A759-6A51-4108-AA02-DFA0A04FC94B}">
-              <ma14:wrappingTextBoxFlag xmlns:ma14="http://schemas.microsoft.com/office/mac/drawingml/2011/main" xmlns="" val="1"/>
+              <ma14:wrappingTextBoxFlag xmlns="" xmlns:ma14="http://schemas.microsoft.com/office/mac/drawingml/2011/main" val="1"/>
             </a:ext>
           </a:extLst>
         </p:spPr>
@@ -3007,7 +3007,7 @@
           <a:p>
             <a:fld id="{C9856C8D-22D4-43D2-9187-A2E666FFE136}" type="datetimeFigureOut">
               <a:rPr lang="ko-KR" altLang="en-US" smtClean="0"/>
-              <a:t>2017-11-02</a:t>
+              <a:t>2017-11-03</a:t>
             </a:fld>
             <a:endParaRPr lang="ko-KR" altLang="en-US"/>
           </a:p>
@@ -3252,7 +3252,7 @@
           <a:p>
             <a:fld id="{C9856C8D-22D4-43D2-9187-A2E666FFE136}" type="datetimeFigureOut">
               <a:rPr lang="ko-KR" altLang="en-US" smtClean="0"/>
-              <a:t>2017-11-02</a:t>
+              <a:t>2017-11-03</a:t>
             </a:fld>
             <a:endParaRPr lang="ko-KR" altLang="en-US"/>
           </a:p>
@@ -3481,7 +3481,7 @@
           <a:p>
             <a:fld id="{C9856C8D-22D4-43D2-9187-A2E666FFE136}" type="datetimeFigureOut">
               <a:rPr lang="ko-KR" altLang="en-US" smtClean="0"/>
-              <a:t>2017-11-02</a:t>
+              <a:t>2017-11-03</a:t>
             </a:fld>
             <a:endParaRPr lang="ko-KR" altLang="en-US"/>
           </a:p>
@@ -3845,7 +3845,7 @@
           <a:p>
             <a:fld id="{C9856C8D-22D4-43D2-9187-A2E666FFE136}" type="datetimeFigureOut">
               <a:rPr lang="ko-KR" altLang="en-US" smtClean="0"/>
-              <a:t>2017-11-02</a:t>
+              <a:t>2017-11-03</a:t>
             </a:fld>
             <a:endParaRPr lang="ko-KR" altLang="en-US"/>
           </a:p>
@@ -3962,7 +3962,7 @@
           <a:p>
             <a:fld id="{C9856C8D-22D4-43D2-9187-A2E666FFE136}" type="datetimeFigureOut">
               <a:rPr lang="ko-KR" altLang="en-US" smtClean="0"/>
-              <a:t>2017-11-02</a:t>
+              <a:t>2017-11-03</a:t>
             </a:fld>
             <a:endParaRPr lang="ko-KR" altLang="en-US"/>
           </a:p>
@@ -4057,7 +4057,7 @@
           <a:p>
             <a:fld id="{C9856C8D-22D4-43D2-9187-A2E666FFE136}" type="datetimeFigureOut">
               <a:rPr lang="ko-KR" altLang="en-US" smtClean="0"/>
-              <a:t>2017-11-02</a:t>
+              <a:t>2017-11-03</a:t>
             </a:fld>
             <a:endParaRPr lang="ko-KR" altLang="en-US"/>
           </a:p>
@@ -4268,7 +4268,7 @@
           <a:p>
             <a:fld id="{C9856C8D-22D4-43D2-9187-A2E666FFE136}" type="datetimeFigureOut">
               <a:rPr lang="ko-KR" altLang="en-US" smtClean="0"/>
-              <a:t>2017-11-02</a:t>
+              <a:t>2017-11-03</a:t>
             </a:fld>
             <a:endParaRPr lang="ko-KR" altLang="en-US"/>
           </a:p>
@@ -4371,7 +4371,7 @@
           </a:ln>
           <a:extLst>
             <a:ext uri="{C572A759-6A51-4108-AA02-DFA0A04FC94B}">
-              <ma14:wrappingTextBoxFlag xmlns:ma14="http://schemas.microsoft.com/office/mac/drawingml/2011/main" xmlns="" val="1"/>
+              <ma14:wrappingTextBoxFlag xmlns="" xmlns:ma14="http://schemas.microsoft.com/office/mac/drawingml/2011/main" val="1"/>
             </a:ext>
           </a:extLst>
         </p:spPr>
@@ -4877,11 +4877,18 @@
             </a:r>
             <a:r>
               <a:rPr lang="ko-KR" altLang="en-US" dirty="0" smtClean="0"/>
-              <a:t>노요</a:t>
-            </a:r>
-            <a:r>
-              <a:rPr lang="ko-KR" altLang="en-US" dirty="0"/>
-              <a:t>한</a:t>
+              <a:t>노요한</a:t>
+            </a:r>
+            <a:endParaRPr lang="en-US" altLang="ko-KR" dirty="0" smtClean="0"/>
+          </a:p>
+          <a:p>
+            <a:r>
+              <a:rPr lang="en-US" altLang="ko-KR" dirty="0" smtClean="0"/>
+              <a:t>https</a:t>
+            </a:r>
+            <a:r>
+              <a:rPr lang="en-US" altLang="ko-KR" dirty="0"/>
+              <a:t>://github.com/dygks232/SW_Programming_2_Project.git</a:t>
             </a:r>
             <a:endParaRPr lang="ko-KR" altLang="en-US" dirty="0"/>
           </a:p>
@@ -5331,7 +5338,7 @@
           </a:ln>
           <a:extLst>
             <a:ext uri="{C572A759-6A51-4108-AA02-DFA0A04FC94B}">
-              <ma14:wrappingTextBoxFlag xmlns:ma14="http://schemas.microsoft.com/office/mac/drawingml/2011/main" xmlns="" val="1"/>
+              <ma14:wrappingTextBoxFlag xmlns="" xmlns:ma14="http://schemas.microsoft.com/office/mac/drawingml/2011/main" val="1"/>
             </a:ext>
           </a:extLst>
         </p:spPr>
@@ -6210,7 +6217,7 @@
           </a:ln>
           <a:extLst>
             <a:ext uri="{C572A759-6A51-4108-AA02-DFA0A04FC94B}">
-              <ma14:wrappingTextBoxFlag xmlns:ma14="http://schemas.microsoft.com/office/mac/drawingml/2011/main" xmlns="" val="1"/>
+              <ma14:wrappingTextBoxFlag xmlns="" xmlns:ma14="http://schemas.microsoft.com/office/mac/drawingml/2011/main" val="1"/>
             </a:ext>
           </a:extLst>
         </p:spPr>
@@ -6244,21 +6251,7 @@
                 <a:latin typeface="맑은 고딕" panose="020B0503020000020004" pitchFamily="50" charset="-127"/>
                 <a:ea typeface="맑은 고딕" panose="020B0503020000020004" pitchFamily="50" charset="-127"/>
               </a:rPr>
-              <a:t>우선시할 기준</a:t>
-            </a:r>
-            <a:r>
-              <a:rPr lang="ko-KR" altLang="en-US" dirty="0" smtClean="0">
-                <a:ln>
-                  <a:solidFill>
-                    <a:srgbClr val="696969">
-                      <a:alpha val="1000"/>
-                    </a:srgbClr>
-                  </a:solidFill>
-                </a:ln>
-                <a:latin typeface="맑은 고딕" panose="020B0503020000020004" pitchFamily="50" charset="-127"/>
-                <a:ea typeface="맑은 고딕" panose="020B0503020000020004" pitchFamily="50" charset="-127"/>
-              </a:rPr>
-              <a:t> </a:t>
+              <a:t>우선시할 기준 </a:t>
             </a:r>
             <a:endParaRPr dirty="0">
               <a:ln>
@@ -6296,7 +6289,7 @@
           <a:effectLst/>
           <a:extLst>
             <a:ext uri="{C572A759-6A51-4108-AA02-DFA0A04FC94B}">
-              <ma14:wrappingTextBoxFlag xmlns:ma14="http://schemas.microsoft.com/office/mac/drawingml/2011/main" xmlns="" val="1"/>
+              <ma14:wrappingTextBoxFlag xmlns="" xmlns:ma14="http://schemas.microsoft.com/office/mac/drawingml/2011/main" val="1"/>
             </a:ext>
           </a:extLst>
         </p:spPr>
@@ -6468,13 +6461,6 @@
               </a:rPr>
               <a:t>Spacing words</a:t>
             </a:r>
-            <a:endParaRPr lang="en-US" altLang="ko-KR" sz="2000" dirty="0" smtClean="0">
-              <a:solidFill>
-                <a:schemeClr val="bg1">
-                  <a:lumMod val="50000"/>
-                </a:schemeClr>
-              </a:solidFill>
-            </a:endParaRPr>
           </a:p>
         </p:txBody>
       </p:sp>
@@ -7041,7 +7027,7 @@
           </a:ln>
           <a:extLst>
             <a:ext uri="{C572A759-6A51-4108-AA02-DFA0A04FC94B}">
-              <ma14:wrappingTextBoxFlag xmlns:ma14="http://schemas.microsoft.com/office/mac/drawingml/2011/main" xmlns="" val="1"/>
+              <ma14:wrappingTextBoxFlag xmlns="" xmlns:ma14="http://schemas.microsoft.com/office/mac/drawingml/2011/main" val="1"/>
             </a:ext>
           </a:extLst>
         </p:spPr>
@@ -7149,17 +7135,7 @@
                   </a:schemeClr>
                 </a:solidFill>
               </a:rPr>
-              <a:t>B</a:t>
-            </a:r>
-            <a:r>
-              <a:rPr lang="en-US" altLang="ko-KR" sz="2800" dirty="0" smtClean="0">
-                <a:solidFill>
-                  <a:schemeClr val="bg1">
-                    <a:lumMod val="50000"/>
-                  </a:schemeClr>
-                </a:solidFill>
-              </a:rPr>
-              <a:t>.txt</a:t>
+              <a:t>B.txt</a:t>
             </a:r>
           </a:p>
           <a:p>
@@ -7226,13 +7202,6 @@
               </a:rPr>
               <a:t>F.txt</a:t>
             </a:r>
-            <a:endParaRPr lang="en-US" altLang="ko-KR" sz="2800" dirty="0" smtClean="0">
-              <a:solidFill>
-                <a:schemeClr val="bg1">
-                  <a:lumMod val="50000"/>
-                </a:schemeClr>
-              </a:solidFill>
-            </a:endParaRPr>
           </a:p>
         </p:txBody>
       </p:sp>
@@ -7716,7 +7685,6 @@
               <a:rPr lang="en-US" altLang="ko-KR" dirty="0" smtClean="0"/>
               <a:t>Appearance frequency</a:t>
             </a:r>
-            <a:endParaRPr lang="en-US" altLang="ko-KR" dirty="0" smtClean="0"/>
           </a:p>
           <a:p>
             <a:pPr>
@@ -8085,7 +8053,7 @@
           </a:ln>
           <a:extLst>
             <a:ext uri="{C572A759-6A51-4108-AA02-DFA0A04FC94B}">
-              <ma14:wrappingTextBoxFlag xmlns:ma14="http://schemas.microsoft.com/office/mac/drawingml/2011/main" xmlns="" val="1"/>
+              <ma14:wrappingTextBoxFlag xmlns="" xmlns:ma14="http://schemas.microsoft.com/office/mac/drawingml/2011/main" val="1"/>
             </a:ext>
           </a:extLst>
         </p:spPr>
@@ -8164,7 +8132,7 @@
           </a:ln>
           <a:extLst>
             <a:ext uri="{C572A759-6A51-4108-AA02-DFA0A04FC94B}">
-              <ma14:wrappingTextBoxFlag xmlns:ma14="http://schemas.microsoft.com/office/mac/drawingml/2011/main" xmlns="" val="1"/>
+              <ma14:wrappingTextBoxFlag xmlns="" xmlns:ma14="http://schemas.microsoft.com/office/mac/drawingml/2011/main" val="1"/>
             </a:ext>
           </a:extLst>
         </p:spPr>
@@ -8229,7 +8197,7 @@
           </a:ln>
           <a:extLst>
             <a:ext uri="{C572A759-6A51-4108-AA02-DFA0A04FC94B}">
-              <ma14:wrappingTextBoxFlag xmlns:ma14="http://schemas.microsoft.com/office/mac/drawingml/2011/main" xmlns="" val="1"/>
+              <ma14:wrappingTextBoxFlag xmlns="" xmlns:ma14="http://schemas.microsoft.com/office/mac/drawingml/2011/main" val="1"/>
             </a:ext>
           </a:extLst>
         </p:spPr>
@@ -8294,7 +8262,7 @@
           </a:ln>
           <a:extLst>
             <a:ext uri="{C572A759-6A51-4108-AA02-DFA0A04FC94B}">
-              <ma14:wrappingTextBoxFlag xmlns:ma14="http://schemas.microsoft.com/office/mac/drawingml/2011/main" xmlns="" val="1"/>
+              <ma14:wrappingTextBoxFlag xmlns="" xmlns:ma14="http://schemas.microsoft.com/office/mac/drawingml/2011/main" val="1"/>
             </a:ext>
           </a:extLst>
         </p:spPr>
@@ -8998,7 +8966,7 @@
           </a:ln>
           <a:extLst>
             <a:ext uri="{C572A759-6A51-4108-AA02-DFA0A04FC94B}">
-              <ma14:wrappingTextBoxFlag xmlns:ma14="http://schemas.microsoft.com/office/mac/drawingml/2011/main" xmlns="" val="1"/>
+              <ma14:wrappingTextBoxFlag xmlns="" xmlns:ma14="http://schemas.microsoft.com/office/mac/drawingml/2011/main" val="1"/>
             </a:ext>
           </a:extLst>
         </p:spPr>
@@ -9046,7 +9014,7 @@
           </a:ln>
           <a:extLst>
             <a:ext uri="{C572A759-6A51-4108-AA02-DFA0A04FC94B}">
-              <ma14:wrappingTextBoxFlag xmlns:ma14="http://schemas.microsoft.com/office/mac/drawingml/2011/main" xmlns="" val="1"/>
+              <ma14:wrappingTextBoxFlag xmlns="" xmlns:ma14="http://schemas.microsoft.com/office/mac/drawingml/2011/main" val="1"/>
             </a:ext>
           </a:extLst>
         </p:spPr>
@@ -9115,7 +9083,7 @@
           </a:ln>
           <a:extLst>
             <a:ext uri="{C572A759-6A51-4108-AA02-DFA0A04FC94B}">
-              <ma14:wrappingTextBoxFlag xmlns:ma14="http://schemas.microsoft.com/office/mac/drawingml/2011/main" xmlns="" val="1"/>
+              <ma14:wrappingTextBoxFlag xmlns="" xmlns:ma14="http://schemas.microsoft.com/office/mac/drawingml/2011/main" val="1"/>
             </a:ext>
           </a:extLst>
         </p:spPr>
@@ -9181,7 +9149,7 @@
           </a:ln>
           <a:extLst>
             <a:ext uri="{C572A759-6A51-4108-AA02-DFA0A04FC94B}">
-              <ma14:wrappingTextBoxFlag xmlns:ma14="http://schemas.microsoft.com/office/mac/drawingml/2011/main" xmlns="" val="1"/>
+              <ma14:wrappingTextBoxFlag xmlns="" xmlns:ma14="http://schemas.microsoft.com/office/mac/drawingml/2011/main" val="1"/>
             </a:ext>
           </a:extLst>
         </p:spPr>
@@ -9228,7 +9196,7 @@
           </a:ln>
           <a:extLst>
             <a:ext uri="{C572A759-6A51-4108-AA02-DFA0A04FC94B}">
-              <ma14:wrappingTextBoxFlag xmlns:ma14="http://schemas.microsoft.com/office/mac/drawingml/2011/main" xmlns="" val="1"/>
+              <ma14:wrappingTextBoxFlag xmlns="" xmlns:ma14="http://schemas.microsoft.com/office/mac/drawingml/2011/main" val="1"/>
             </a:ext>
           </a:extLst>
         </p:spPr>
@@ -9297,7 +9265,7 @@
           </a:ln>
           <a:extLst>
             <a:ext uri="{C572A759-6A51-4108-AA02-DFA0A04FC94B}">
-              <ma14:wrappingTextBoxFlag xmlns:ma14="http://schemas.microsoft.com/office/mac/drawingml/2011/main" xmlns="" val="1"/>
+              <ma14:wrappingTextBoxFlag xmlns="" xmlns:ma14="http://schemas.microsoft.com/office/mac/drawingml/2011/main" val="1"/>
             </a:ext>
           </a:extLst>
         </p:spPr>
@@ -9445,7 +9413,7 @@
           </a:ln>
           <a:extLst>
             <a:ext uri="{C572A759-6A51-4108-AA02-DFA0A04FC94B}">
-              <ma14:wrappingTextBoxFlag xmlns:ma14="http://schemas.microsoft.com/office/mac/drawingml/2011/main" xmlns="" val="1"/>
+              <ma14:wrappingTextBoxFlag xmlns="" xmlns:ma14="http://schemas.microsoft.com/office/mac/drawingml/2011/main" val="1"/>
             </a:ext>
           </a:extLst>
         </p:spPr>
@@ -9498,7 +9466,7 @@
           </a:ln>
           <a:extLst>
             <a:ext uri="{C572A759-6A51-4108-AA02-DFA0A04FC94B}">
-              <ma14:wrappingTextBoxFlag xmlns:ma14="http://schemas.microsoft.com/office/mac/drawingml/2011/main" xmlns="" val="1"/>
+              <ma14:wrappingTextBoxFlag xmlns="" xmlns:ma14="http://schemas.microsoft.com/office/mac/drawingml/2011/main" val="1"/>
             </a:ext>
           </a:extLst>
         </p:spPr>
@@ -9567,7 +9535,7 @@
           </a:ln>
           <a:extLst>
             <a:ext uri="{C572A759-6A51-4108-AA02-DFA0A04FC94B}">
-              <ma14:wrappingTextBoxFlag xmlns:ma14="http://schemas.microsoft.com/office/mac/drawingml/2011/main" xmlns="" val="1"/>
+              <ma14:wrappingTextBoxFlag xmlns="" xmlns:ma14="http://schemas.microsoft.com/office/mac/drawingml/2011/main" val="1"/>
             </a:ext>
           </a:extLst>
         </p:spPr>
@@ -9702,7 +9670,7 @@
           </a:ln>
           <a:extLst>
             <a:ext uri="{C572A759-6A51-4108-AA02-DFA0A04FC94B}">
-              <ma14:wrappingTextBoxFlag xmlns:ma14="http://schemas.microsoft.com/office/mac/drawingml/2011/main" xmlns="" val="1"/>
+              <ma14:wrappingTextBoxFlag xmlns="" xmlns:ma14="http://schemas.microsoft.com/office/mac/drawingml/2011/main" val="1"/>
             </a:ext>
           </a:extLst>
         </p:spPr>
@@ -10037,7 +10005,7 @@
           </a:ln>
           <a:extLst>
             <a:ext uri="{C572A759-6A51-4108-AA02-DFA0A04FC94B}">
-              <ma14:wrappingTextBoxFlag xmlns:ma14="http://schemas.microsoft.com/office/mac/drawingml/2011/main" xmlns="" val="1"/>
+              <ma14:wrappingTextBoxFlag xmlns="" xmlns:ma14="http://schemas.microsoft.com/office/mac/drawingml/2011/main" val="1"/>
             </a:ext>
           </a:extLst>
         </p:spPr>
@@ -10071,21 +10039,7 @@
                 <a:latin typeface="맑은 고딕" panose="020B0503020000020004" pitchFamily="50" charset="-127"/>
                 <a:ea typeface="맑은 고딕" panose="020B0503020000020004" pitchFamily="50" charset="-127"/>
               </a:rPr>
-              <a:t>환경</a:t>
-            </a:r>
-            <a:r>
-              <a:rPr lang="ko-KR" altLang="en-US" dirty="0" smtClean="0">
-                <a:ln>
-                  <a:solidFill>
-                    <a:srgbClr val="696969">
-                      <a:alpha val="1000"/>
-                    </a:srgbClr>
-                  </a:solidFill>
-                </a:ln>
-                <a:latin typeface="맑은 고딕" panose="020B0503020000020004" pitchFamily="50" charset="-127"/>
-                <a:ea typeface="맑은 고딕" panose="020B0503020000020004" pitchFamily="50" charset="-127"/>
-              </a:rPr>
-              <a:t> </a:t>
+              <a:t>환경 </a:t>
             </a:r>
             <a:endParaRPr dirty="0">
               <a:ln>
@@ -10253,13 +10207,6 @@
               </a:rPr>
               <a:t>Etc…</a:t>
             </a:r>
-            <a:endParaRPr lang="en-US" altLang="ko-KR" sz="2000" dirty="0" smtClean="0">
-              <a:solidFill>
-                <a:schemeClr val="bg1">
-                  <a:lumMod val="50000"/>
-                </a:schemeClr>
-              </a:solidFill>
-            </a:endParaRPr>
           </a:p>
         </p:txBody>
       </p:sp>
@@ -10328,7 +10275,7 @@
           </a:ln>
           <a:extLst>
             <a:ext uri="{C572A759-6A51-4108-AA02-DFA0A04FC94B}">
-              <ma14:wrappingTextBoxFlag xmlns:ma14="http://schemas.microsoft.com/office/mac/drawingml/2011/main" xmlns="" val="1"/>
+              <ma14:wrappingTextBoxFlag xmlns="" xmlns:ma14="http://schemas.microsoft.com/office/mac/drawingml/2011/main" val="1"/>
             </a:ext>
           </a:extLst>
         </p:spPr>
@@ -10449,7 +10396,7 @@
           </a:ln>
           <a:extLst>
             <a:ext uri="{C572A759-6A51-4108-AA02-DFA0A04FC94B}">
-              <ma14:wrappingTextBoxFlag xmlns:ma14="http://schemas.microsoft.com/office/mac/drawingml/2011/main" xmlns="" val="1"/>
+              <ma14:wrappingTextBoxFlag xmlns="" xmlns:ma14="http://schemas.microsoft.com/office/mac/drawingml/2011/main" val="1"/>
             </a:ext>
           </a:extLst>
         </p:spPr>
@@ -11098,7 +11045,7 @@
           </a:ln>
           <a:extLst>
             <a:ext uri="{C572A759-6A51-4108-AA02-DFA0A04FC94B}">
-              <ma14:wrappingTextBoxFlag xmlns:ma14="http://schemas.microsoft.com/office/mac/drawingml/2011/main" xmlns="" val="1"/>
+              <ma14:wrappingTextBoxFlag xmlns="" xmlns:ma14="http://schemas.microsoft.com/office/mac/drawingml/2011/main" val="1"/>
             </a:ext>
           </a:extLst>
         </p:spPr>
@@ -11221,13 +11168,6 @@
               </a:rPr>
               <a:t>A.txt</a:t>
             </a:r>
-            <a:endParaRPr lang="en-US" altLang="ko-KR" sz="2800" dirty="0" smtClean="0">
-              <a:solidFill>
-                <a:schemeClr val="bg1">
-                  <a:lumMod val="50000"/>
-                </a:schemeClr>
-              </a:solidFill>
-            </a:endParaRPr>
           </a:p>
         </p:txBody>
       </p:sp>
@@ -12383,7 +12323,7 @@
           </a:ln>
           <a:extLst>
             <a:ext uri="{C572A759-6A51-4108-AA02-DFA0A04FC94B}">
-              <ma14:wrappingTextBoxFlag xmlns:ma14="http://schemas.microsoft.com/office/mac/drawingml/2011/main" xmlns="" val="1"/>
+              <ma14:wrappingTextBoxFlag xmlns="" xmlns:ma14="http://schemas.microsoft.com/office/mac/drawingml/2011/main" val="1"/>
             </a:ext>
           </a:extLst>
         </p:spPr>
@@ -12501,17 +12441,7 @@
                   </a:schemeClr>
                 </a:solidFill>
               </a:rPr>
-              <a:t>D</a:t>
-            </a:r>
-            <a:r>
-              <a:rPr lang="en-US" altLang="ko-KR" sz="2800" dirty="0" smtClean="0">
-                <a:solidFill>
-                  <a:schemeClr val="bg1">
-                    <a:lumMod val="50000"/>
-                  </a:schemeClr>
-                </a:solidFill>
-              </a:rPr>
-              <a:t>.txt</a:t>
+              <a:t>D.txt</a:t>
             </a:r>
           </a:p>
         </p:txBody>
